--- a/Presentation/PosterDraft_final.pptx
+++ b/Presentation/PosterDraft_final.pptx
@@ -212,150 +212,6 @@
 </p188:authorLst>
 </file>
 
-<file path=ppt/comments/modernComment_100_0.xml><?xml version="1.0" encoding="utf-8"?>
-<p188:cmLst xmlns:a="http://schemas.openxmlformats.org/drawingml/2006/main" xmlns:r="http://schemas.openxmlformats.org/officeDocument/2006/relationships" xmlns:p188="http://schemas.microsoft.com/office/powerpoint/2018/8/main">
-  <p188:cm id="{C3F0E6D5-C65F-4B50-B67A-615BE8DA131F}" authorId="{59EE3575-1E4C-0FEC-57F5-F069D3C208A0}" created="2023-04-24T17:29:38.735">
-    <ac:txMkLst xmlns:ac="http://schemas.microsoft.com/office/drawing/2013/main/command">
-      <pc:docMk xmlns:pc="http://schemas.microsoft.com/office/powerpoint/2013/main/command"/>
-      <pc:sldMk xmlns:pc="http://schemas.microsoft.com/office/powerpoint/2013/main/command" cId="0" sldId="256"/>
-      <ac:spMk id="14339" creationId="{02FDD79B-94A2-B63D-D186-B26CC1FD6F44}"/>
-      <ac:txMk cp="405">
-        <ac:context len="406" hash="4290566324"/>
-      </ac:txMk>
-    </ac:txMkLst>
-    <p188:pos x="6393728" y="5071228"/>
-    <p188:txBody>
-      <a:bodyPr/>
-      <a:lstStyle/>
-      <a:p>
-        <a:r>
-          <a:rPr lang="en-US"/>
-          <a:t>Discuss the goals of this project as mentioned in the project plan </a:t>
-        </a:r>
-      </a:p>
-    </p188:txBody>
-  </p188:cm>
-  <p188:cm id="{A33E5FEB-8C13-469B-8538-E35EDA2B2523}" authorId="{59EE3575-1E4C-0FEC-57F5-F069D3C208A0}" created="2023-04-24T17:44:00.686">
-    <ac:txMkLst xmlns:ac="http://schemas.microsoft.com/office/drawing/2013/main/command">
-      <pc:docMk xmlns:pc="http://schemas.microsoft.com/office/powerpoint/2013/main/command"/>
-      <pc:sldMk xmlns:pc="http://schemas.microsoft.com/office/powerpoint/2013/main/command" cId="0" sldId="256"/>
-      <ac:spMk id="14346" creationId="{5371A8AC-23E9-ABC6-3A75-80BD1937E966}"/>
-      <ac:txMk cp="0" len="5">
-        <ac:context len="176" hash="2103398321"/>
-      </ac:txMk>
-    </ac:txMkLst>
-    <p188:pos x="1339128" y="793346"/>
-    <p188:txBody>
-      <a:bodyPr/>
-      <a:lstStyle/>
-      <a:p>
-        <a:r>
-          <a:rPr lang="en-US"/>
-          <a:t>Think this addresses both the why to care and intro</a:t>
-        </a:r>
-      </a:p>
-    </p188:txBody>
-  </p188:cm>
-  <p188:cm id="{A3B7D643-0474-4D2B-905B-C0FA5A25A887}" authorId="{59EE3575-1E4C-0FEC-57F5-F069D3C208A0}" created="2023-04-24T17:44:34.225">
-    <ac:txMkLst xmlns:ac="http://schemas.microsoft.com/office/drawing/2013/main/command">
-      <pc:docMk xmlns:pc="http://schemas.microsoft.com/office/powerpoint/2013/main/command"/>
-      <pc:sldMk xmlns:pc="http://schemas.microsoft.com/office/powerpoint/2013/main/command" cId="0" sldId="256"/>
-      <ac:spMk id="14346" creationId="{5371A8AC-23E9-ABC6-3A75-80BD1937E966}"/>
-      <ac:txMk cp="27" len="17">
-        <ac:context len="176" hash="2103398321"/>
-      </ac:txMk>
-    </ac:txMkLst>
-    <p188:pos x="6596928" y="1275946"/>
-    <p188:txBody>
-      <a:bodyPr/>
-      <a:lstStyle/>
-      <a:p>
-        <a:r>
-          <a:rPr lang="en-US"/>
-          <a:t>Discuss the way altered/cleaned data</a:t>
-        </a:r>
-      </a:p>
-    </p188:txBody>
-  </p188:cm>
-  <p188:cm id="{5D11DACA-3C65-4BFA-A666-F41231A1526C}" authorId="{59EE3575-1E4C-0FEC-57F5-F069D3C208A0}" created="2023-04-24T21:06:04.861">
-    <ac:txMkLst xmlns:ac="http://schemas.microsoft.com/office/drawing/2013/main/command">
-      <pc:docMk xmlns:pc="http://schemas.microsoft.com/office/powerpoint/2013/main/command"/>
-      <pc:sldMk xmlns:pc="http://schemas.microsoft.com/office/powerpoint/2013/main/command" cId="0" sldId="256"/>
-      <ac:spMk id="24" creationId="{BFE10A64-2DD5-7A17-6C73-6B297FA9B624}"/>
-      <ac:txMk cp="244" len="1">
-        <ac:context len="294" hash="610577296"/>
-      </ac:txMk>
-    </ac:txMkLst>
-    <p188:pos x="5382492" y="3530830"/>
-    <p188:txBody>
-      <a:bodyPr/>
-      <a:lstStyle/>
-      <a:p>
-        <a:r>
-          <a:rPr lang="en-US"/>
-          <a:t>Disproportionallly impacting smaller businesses.
-Harder for some buisinesses, tax law incredibly complicated</a:t>
-        </a:r>
-      </a:p>
-    </p188:txBody>
-  </p188:cm>
-  <p188:cm id="{BFFD2B33-2EAE-42A1-802E-6D44F22F98F3}" authorId="{59EE3575-1E4C-0FEC-57F5-F069D3C208A0}" created="2023-04-24T21:08:47.413">
-    <ac:txMkLst xmlns:ac="http://schemas.microsoft.com/office/drawing/2013/main/command">
-      <pc:docMk xmlns:pc="http://schemas.microsoft.com/office/powerpoint/2013/main/command"/>
-      <pc:sldMk xmlns:pc="http://schemas.microsoft.com/office/powerpoint/2013/main/command" cId="0" sldId="256"/>
-      <ac:spMk id="24" creationId="{BFE10A64-2DD5-7A17-6C73-6B297FA9B624}"/>
-      <ac:txMk cp="46">
-        <ac:context len="294" hash="610577296"/>
-      </ac:txMk>
-    </ac:txMkLst>
-    <p188:pos x="4163292" y="1976350"/>
-    <p188:txBody>
-      <a:bodyPr/>
-      <a:lstStyle/>
-      <a:p>
-        <a:r>
-          <a:rPr lang="en-US"/>
-          <a:t>Dc only, limited time, limited to what was reported.
-muticolinearity</a:t>
-        </a:r>
-      </a:p>
-    </p188:txBody>
-  </p188:cm>
-  <p188:cm id="{90C9BAFD-A8C1-42D2-804F-A00808CC6A6F}" authorId="{59EE3575-1E4C-0FEC-57F5-F069D3C208A0}" created="2023-04-28T21:42:03.140">
-    <pc:sldMkLst xmlns:pc="http://schemas.microsoft.com/office/powerpoint/2013/main/command">
-      <pc:docMk/>
-      <pc:sldMk cId="0" sldId="256"/>
-    </pc:sldMkLst>
-    <p188:txBody>
-      <a:bodyPr/>
-      <a:lstStyle/>
-      <a:p>
-        <a:r>
-          <a:rPr lang="en-US"/>
-          <a:t>Add link to repo</a:t>
-        </a:r>
-      </a:p>
-    </p188:txBody>
-  </p188:cm>
-  <p188:cm id="{E172F460-10A1-4052-8A15-211B1A4BD6ED}" authorId="{59EE3575-1E4C-0FEC-57F5-F069D3C208A0}" created="2023-05-01T17:19:45.614">
-    <pc:sldMkLst xmlns:pc="http://schemas.microsoft.com/office/powerpoint/2013/main/command">
-      <pc:docMk/>
-      <pc:sldMk cId="0" sldId="256"/>
-    </pc:sldMkLst>
-    <p188:txBody>
-      <a:bodyPr/>
-      <a:lstStyle/>
-      <a:p>
-        <a:r>
-          <a:rPr lang="en-US"/>
-          <a:t>Add correct classification plot</a:t>
-        </a:r>
-      </a:p>
-    </p188:txBody>
-  </p188:cm>
-</p188:cmLst>
-</file>
-
 <file path=ppt/notesMasters/notesMaster1.xml><?xml version="1.0" encoding="utf-8"?>
 <p:notesMaster xmlns:a="http://schemas.openxmlformats.org/drawingml/2006/main" xmlns:r="http://schemas.openxmlformats.org/officeDocument/2006/relationships" xmlns:p="http://schemas.openxmlformats.org/presentationml/2006/main">
   <p:cSld>
@@ -471,7 +327,7 @@
             <a:fld id="{1E44E51C-57D0-6B4C-9C03-A3E12CE0FF75}" type="datetime1">
               <a:rPr lang="en-US" altLang="en-US"/>
               <a:pPr/>
-              <a:t>4/28/2023</a:t>
+              <a:t>5/1/23</a:t>
             </a:fld>
             <a:endParaRPr lang="en-US" altLang="en-US"/>
           </a:p>
@@ -681,7 +537,7 @@
             <a:fld id="{15290EA6-7830-1D4A-92DB-A5964639C988}" type="slidenum">
               <a:rPr lang="en-US" altLang="en-US"/>
               <a:pPr/>
-              <a:t>‹N°›</a:t>
+              <a:t>‹#›</a:t>
             </a:fld>
             <a:endParaRPr lang="en-US" altLang="en-US"/>
           </a:p>
@@ -919,205 +775,6 @@
           <a:p>
             <a:pPr eaLnBrk="1" hangingPunct="1">
               <a:spcBef>
-                <a:spcPts val="321"/>
-              </a:spcBef>
-            </a:pPr>
-            <a:r>
-              <a:rPr lang="en-US" altLang="en-US" sz="9600" dirty="0">
-                <a:solidFill>
-                  <a:schemeClr val="bg1"/>
-                </a:solidFill>
-                <a:latin typeface="Calibri" panose="020F0502020204030204" pitchFamily="34" charset="0"/>
-                <a:cs typeface="Calibri" panose="020F0502020204030204" pitchFamily="34" charset="0"/>
-              </a:rPr>
-              <a:t>General Guidance</a:t>
-            </a:r>
-          </a:p>
-          <a:p>
-            <a:pPr marL="457200" indent="-457200" eaLnBrk="1" hangingPunct="1">
-              <a:spcBef>
-                <a:spcPts val="321"/>
-              </a:spcBef>
-              <a:buFont typeface="Arial" panose="020B0604020202020204" pitchFamily="34" charset="0"/>
-              <a:buChar char="•"/>
-            </a:pPr>
-            <a:r>
-              <a:rPr lang="en-US" altLang="en-US" sz="9600" dirty="0">
-                <a:solidFill>
-                  <a:schemeClr val="bg1"/>
-                </a:solidFill>
-                <a:latin typeface="Calibri" panose="020F0502020204030204" pitchFamily="34" charset="0"/>
-                <a:cs typeface="Calibri" panose="020F0502020204030204" pitchFamily="34" charset="0"/>
-              </a:rPr>
-              <a:t>Limit poster to &lt; 1000 words – it is a summary of your work so focus on the most important ideas and results.</a:t>
-            </a:r>
-          </a:p>
-          <a:p>
-            <a:pPr marL="457200" indent="-457200" eaLnBrk="1" hangingPunct="1">
-              <a:spcBef>
-                <a:spcPts val="321"/>
-              </a:spcBef>
-              <a:buFont typeface="Arial" panose="020B0604020202020204" pitchFamily="34" charset="0"/>
-              <a:buChar char="•"/>
-            </a:pPr>
-            <a:r>
-              <a:rPr lang="en-US" altLang="en-US" sz="9600" dirty="0">
-                <a:solidFill>
-                  <a:schemeClr val="bg1"/>
-                </a:solidFill>
-                <a:latin typeface="Calibri" panose="020F0502020204030204" pitchFamily="34" charset="0"/>
-                <a:cs typeface="Calibri" panose="020F0502020204030204" pitchFamily="34" charset="0"/>
-              </a:rPr>
-              <a:t>Spellcheck and then have someone else proofread it.</a:t>
-            </a:r>
-          </a:p>
-          <a:p>
-            <a:pPr algn="ctr" eaLnBrk="1" hangingPunct="1">
-              <a:spcBef>
-                <a:spcPts val="321"/>
-              </a:spcBef>
-            </a:pPr>
-            <a:endParaRPr lang="en-US" altLang="ja-JP" sz="9600" b="1" dirty="0">
-              <a:solidFill>
-                <a:schemeClr val="bg1"/>
-              </a:solidFill>
-              <a:latin typeface="Calibri" panose="020F0502020204030204" pitchFamily="34" charset="0"/>
-              <a:cs typeface="Calibri" panose="020F0502020204030204" pitchFamily="34" charset="0"/>
-            </a:endParaRPr>
-          </a:p>
-          <a:p>
-            <a:pPr eaLnBrk="1" hangingPunct="1">
-              <a:spcBef>
-                <a:spcPts val="321"/>
-              </a:spcBef>
-            </a:pPr>
-            <a:endParaRPr lang="en-US" altLang="ja-JP" sz="9600" dirty="0">
-              <a:solidFill>
-                <a:schemeClr val="bg1"/>
-              </a:solidFill>
-              <a:latin typeface="Calibri" panose="020F0502020204030204" pitchFamily="34" charset="0"/>
-              <a:cs typeface="Calibri" panose="020F0502020204030204" pitchFamily="34" charset="0"/>
-            </a:endParaRPr>
-          </a:p>
-          <a:p>
-            <a:pPr marL="457200" indent="-457200" eaLnBrk="1" hangingPunct="1">
-              <a:spcBef>
-                <a:spcPts val="321"/>
-              </a:spcBef>
-              <a:buFont typeface="Arial" panose="020B0604020202020204" pitchFamily="34" charset="0"/>
-              <a:buChar char="•"/>
-            </a:pPr>
-            <a:r>
-              <a:rPr lang="en-US" altLang="ja-JP" sz="9600" dirty="0">
-                <a:solidFill>
-                  <a:schemeClr val="bg1"/>
-                </a:solidFill>
-                <a:latin typeface="Calibri" panose="020F0502020204030204" pitchFamily="34" charset="0"/>
-                <a:cs typeface="Calibri" panose="020F0502020204030204" pitchFamily="34" charset="0"/>
-              </a:rPr>
-              <a:t>Use titles on graphs to summarize the main interpretation or takeaway from the graph or map</a:t>
-            </a:r>
-          </a:p>
-          <a:p>
-            <a:pPr marL="457200" indent="-457200" eaLnBrk="1" hangingPunct="1">
-              <a:spcBef>
-                <a:spcPts val="321"/>
-              </a:spcBef>
-              <a:buFont typeface="Arial" panose="020B0604020202020204" pitchFamily="34" charset="0"/>
-              <a:buChar char="•"/>
-            </a:pPr>
-            <a:r>
-              <a:rPr lang="en-US" altLang="ja-JP" sz="9600" dirty="0">
-                <a:solidFill>
-                  <a:schemeClr val="bg1"/>
-                </a:solidFill>
-                <a:latin typeface="Calibri" panose="020F0502020204030204" pitchFamily="34" charset="0"/>
-                <a:cs typeface="Calibri" panose="020F0502020204030204" pitchFamily="34" charset="0"/>
-              </a:rPr>
-              <a:t>Annotate with arrows and callout boxes so the viewer is </a:t>
-            </a:r>
-            <a:r>
-              <a:rPr lang="en-US" altLang="ja-JP" sz="9600" b="1" dirty="0">
-                <a:solidFill>
-                  <a:schemeClr val="bg1"/>
-                </a:solidFill>
-                <a:latin typeface="Calibri" panose="020F0502020204030204" pitchFamily="34" charset="0"/>
-                <a:cs typeface="Calibri" panose="020F0502020204030204" pitchFamily="34" charset="0"/>
-              </a:rPr>
-              <a:t>visually led</a:t>
-            </a:r>
-            <a:r>
-              <a:rPr lang="en-US" altLang="ja-JP" sz="9600" dirty="0">
-                <a:solidFill>
-                  <a:schemeClr val="bg1"/>
-                </a:solidFill>
-                <a:latin typeface="Calibri" panose="020F0502020204030204" pitchFamily="34" charset="0"/>
-                <a:cs typeface="Calibri" panose="020F0502020204030204" pitchFamily="34" charset="0"/>
-              </a:rPr>
-              <a:t> through how hypothesis is addressed. </a:t>
-            </a:r>
-          </a:p>
-          <a:p>
-            <a:pPr marL="457200" indent="-457200" eaLnBrk="1" hangingPunct="1">
-              <a:spcBef>
-                <a:spcPts val="321"/>
-              </a:spcBef>
-              <a:buFont typeface="Arial" panose="020B0604020202020204" pitchFamily="34" charset="0"/>
-              <a:buChar char="•"/>
-            </a:pPr>
-            <a:r>
-              <a:rPr lang="en-US" altLang="ja-JP" sz="9600" dirty="0">
-                <a:solidFill>
-                  <a:schemeClr val="bg1"/>
-                </a:solidFill>
-                <a:latin typeface="Calibri" panose="020F0502020204030204" pitchFamily="34" charset="0"/>
-                <a:cs typeface="Calibri" panose="020F0502020204030204" pitchFamily="34" charset="0"/>
-              </a:rPr>
-              <a:t>Help readers understand the logic behind your conclusions </a:t>
-            </a:r>
-            <a:r>
-              <a:rPr lang="en-US" altLang="ja-JP" sz="9600" i="1" dirty="0">
-                <a:solidFill>
-                  <a:schemeClr val="bg1"/>
-                </a:solidFill>
-                <a:latin typeface="Calibri" panose="020F0502020204030204" pitchFamily="34" charset="0"/>
-                <a:cs typeface="Calibri" panose="020F0502020204030204" pitchFamily="34" charset="0"/>
-              </a:rPr>
-              <a:t>without you needing to be there</a:t>
-            </a:r>
-            <a:r>
-              <a:rPr lang="en-US" altLang="ja-JP" sz="9600" dirty="0">
-                <a:solidFill>
-                  <a:schemeClr val="bg1"/>
-                </a:solidFill>
-                <a:latin typeface="Calibri" panose="020F0502020204030204" pitchFamily="34" charset="0"/>
-                <a:cs typeface="Calibri" panose="020F0502020204030204" pitchFamily="34" charset="0"/>
-              </a:rPr>
-              <a:t>.</a:t>
-            </a:r>
-          </a:p>
-          <a:p>
-            <a:pPr marL="457200" indent="-457200" eaLnBrk="1" hangingPunct="1">
-              <a:spcBef>
-                <a:spcPts val="321"/>
-              </a:spcBef>
-              <a:buFont typeface="Arial" panose="020B0604020202020204" pitchFamily="34" charset="0"/>
-              <a:buChar char="•"/>
-            </a:pPr>
-            <a:r>
-              <a:rPr lang="en-US" altLang="ja-JP" sz="9600" dirty="0">
-                <a:solidFill>
-                  <a:schemeClr val="bg1"/>
-                </a:solidFill>
-                <a:latin typeface="Calibri" panose="020F0502020204030204" pitchFamily="34" charset="0"/>
-                <a:cs typeface="Calibri" panose="020F0502020204030204" pitchFamily="34" charset="0"/>
-              </a:rPr>
-              <a:t>Keep font size of all text (even graph labels) as big or bigger than in rest of poster</a:t>
-            </a:r>
-          </a:p>
-          <a:p>
-            <a:pPr eaLnBrk="1" hangingPunct="1">
-              <a:spcBef>
                 <a:spcPct val="0"/>
               </a:spcBef>
             </a:pPr>
@@ -1506,7 +1163,7 @@
             <a:fld id="{FD59BD6E-71D2-6746-9C6D-5C0B1502B18B}" type="slidenum">
               <a:rPr lang="en-US" altLang="en-US"/>
               <a:pPr/>
-              <a:t>‹N°›</a:t>
+              <a:t>‹#›</a:t>
             </a:fld>
             <a:endParaRPr lang="en-US" altLang="en-US"/>
           </a:p>
@@ -1713,7 +1370,7 @@
             <a:fld id="{242C6953-4AD5-A340-BA9C-689876BFB497}" type="slidenum">
               <a:rPr lang="en-US" altLang="en-US"/>
               <a:pPr/>
-              <a:t>‹N°›</a:t>
+              <a:t>‹#›</a:t>
             </a:fld>
             <a:endParaRPr lang="en-US" altLang="en-US"/>
           </a:p>
@@ -1930,7 +1587,7 @@
             <a:fld id="{9B15180E-D303-844F-A336-07B7D78728E2}" type="slidenum">
               <a:rPr lang="en-US" altLang="en-US"/>
               <a:pPr/>
-              <a:t>‹N°›</a:t>
+              <a:t>‹#›</a:t>
             </a:fld>
             <a:endParaRPr lang="en-US" altLang="en-US"/>
           </a:p>
@@ -2137,7 +1794,7 @@
             <a:fld id="{4A339B73-4AB4-D44F-BAEE-02AAC1A05ADD}" type="slidenum">
               <a:rPr lang="en-US" altLang="en-US"/>
               <a:pPr/>
-              <a:t>‹N°›</a:t>
+              <a:t>‹#›</a:t>
             </a:fld>
             <a:endParaRPr lang="en-US" altLang="en-US"/>
           </a:p>
@@ -2367,7 +2024,7 @@
             <a:fld id="{E4137500-600F-924F-9D6A-781D0A45DC77}" type="slidenum">
               <a:rPr lang="en-US" altLang="en-US"/>
               <a:pPr/>
-              <a:t>‹N°›</a:t>
+              <a:t>‹#›</a:t>
             </a:fld>
             <a:endParaRPr lang="en-US" altLang="en-US"/>
           </a:p>
@@ -2691,7 +2348,7 @@
             <a:fld id="{8329627F-FAF7-764E-AC9F-CF5B608A0020}" type="slidenum">
               <a:rPr lang="en-US" altLang="en-US"/>
               <a:pPr/>
-              <a:t>‹N°›</a:t>
+              <a:t>‹#›</a:t>
             </a:fld>
             <a:endParaRPr lang="en-US" altLang="en-US"/>
           </a:p>
@@ -3154,7 +2811,7 @@
             <a:fld id="{5D7A2AAB-762A-8646-AEF9-572BFF210A00}" type="slidenum">
               <a:rPr lang="en-US" altLang="en-US"/>
               <a:pPr/>
-              <a:t>‹N°›</a:t>
+              <a:t>‹#›</a:t>
             </a:fld>
             <a:endParaRPr lang="en-US" altLang="en-US"/>
           </a:p>
@@ -3310,7 +2967,7 @@
             <a:fld id="{6FB78282-A63F-A64B-934C-42F1E062E466}" type="slidenum">
               <a:rPr lang="en-US" altLang="en-US"/>
               <a:pPr/>
-              <a:t>‹N°›</a:t>
+              <a:t>‹#›</a:t>
             </a:fld>
             <a:endParaRPr lang="en-US" altLang="en-US"/>
           </a:p>
@@ -3444,7 +3101,7 @@
             <a:fld id="{427D3B48-C79C-4B47-A46A-3121BE765704}" type="slidenum">
               <a:rPr lang="en-US" altLang="en-US"/>
               <a:pPr/>
-              <a:t>‹N°›</a:t>
+              <a:t>‹#›</a:t>
             </a:fld>
             <a:endParaRPr lang="en-US" altLang="en-US"/>
           </a:p>
@@ -3758,7 +3415,7 @@
             <a:fld id="{61A4D9AD-5178-3E4B-9AD7-A2E6EE96194B}" type="slidenum">
               <a:rPr lang="en-US" altLang="en-US"/>
               <a:pPr/>
-              <a:t>‹N°›</a:t>
+              <a:t>‹#›</a:t>
             </a:fld>
             <a:endParaRPr lang="en-US" altLang="en-US"/>
           </a:p>
@@ -4050,7 +3707,7 @@
             <a:fld id="{2F6017D3-E95E-014E-8C02-D1F534EFEAEB}" type="slidenum">
               <a:rPr lang="en-US" altLang="en-US"/>
               <a:pPr/>
-              <a:t>‹N°›</a:t>
+              <a:t>‹#›</a:t>
             </a:fld>
             <a:endParaRPr lang="en-US" altLang="en-US"/>
           </a:p>
@@ -4412,7 +4069,7 @@
             <a:fld id="{CC4CF74E-C2FD-144A-85DE-E7432E00AC88}" type="slidenum">
               <a:rPr lang="en-US" altLang="en-US"/>
               <a:pPr/>
-              <a:t>‹N°›</a:t>
+              <a:t>‹#›</a:t>
             </a:fld>
             <a:endParaRPr lang="en-US" altLang="en-US"/>
           </a:p>
@@ -5845,14 +5502,14 @@
               </a:ln>
               <a:extLst>
                 <a:ext uri="{909E8E84-426E-40dd-AFC4-6F175D3DCCD1}">
-                  <a14:hiddenFill xmlns="" xmlns:a14="http://schemas.microsoft.com/office/drawing/2010/main">
+                  <a14:hiddenFill xmlns:a14="http://schemas.microsoft.com/office/drawing/2010/main" xmlns="">
                     <a:solidFill>
                       <a:srgbClr val="FFFFFF"/>
                     </a:solidFill>
                   </a14:hiddenFill>
                 </a:ext>
                 <a:ext uri="{91240B29-F687-4f45-9708-019B960494DF}">
-                  <a14:hiddenLine xmlns="" xmlns:a14="http://schemas.microsoft.com/office/drawing/2010/main" w="9525">
+                  <a14:hiddenLine xmlns:a14="http://schemas.microsoft.com/office/drawing/2010/main" xmlns="" w="9525">
                     <a:solidFill>
                       <a:srgbClr val="000000"/>
                     </a:solidFill>
@@ -6944,7 +6601,7 @@
           <p:nvPr/>
         </p:nvPicPr>
         <p:blipFill>
-          <a:blip r:embed="rId5"/>
+          <a:blip r:embed="rId4"/>
           <a:stretch>
             <a:fillRect/>
           </a:stretch>
@@ -6974,7 +6631,7 @@
           <p:nvPr/>
         </p:nvPicPr>
         <p:blipFill>
-          <a:blip r:embed="rId6"/>
+          <a:blip r:embed="rId5"/>
           <a:stretch>
             <a:fillRect/>
           </a:stretch>
@@ -7045,7 +6702,7 @@
           <p:nvPr/>
         </p:nvPicPr>
         <p:blipFill>
-          <a:blip r:embed="rId7"/>
+          <a:blip r:embed="rId6"/>
           <a:stretch>
             <a:fillRect/>
           </a:stretch>
@@ -7075,7 +6732,7 @@
           <p:nvPr/>
         </p:nvPicPr>
         <p:blipFill>
-          <a:blip r:embed="rId8"/>
+          <a:blip r:embed="rId7"/>
           <a:stretch>
             <a:fillRect/>
           </a:stretch>
@@ -7987,7 +7644,7 @@
             <p:nvPr/>
           </p:nvPicPr>
           <p:blipFill>
-            <a:blip r:embed="rId9"/>
+            <a:blip r:embed="rId8"/>
             <a:stretch>
               <a:fillRect/>
             </a:stretch>
@@ -8221,125 +7878,6 @@
           </a:p>
         </p:txBody>
       </p:sp>
-      <p:sp>
-        <p:nvSpPr>
-          <p:cNvPr id="14360" name="Rectangle 1">
-            <a:extLst>
-              <a:ext uri="{FF2B5EF4-FFF2-40B4-BE49-F238E27FC236}">
-                <a16:creationId xmlns:a16="http://schemas.microsoft.com/office/drawing/2014/main" id="{259577EC-7F95-0D97-2ABA-3DF9481D5ECB}"/>
-              </a:ext>
-            </a:extLst>
-          </p:cNvPr>
-          <p:cNvSpPr>
-            <a:spLocks noChangeArrowheads="1"/>
-          </p:cNvSpPr>
-          <p:nvPr/>
-        </p:nvSpPr>
-        <p:spPr bwMode="auto">
-          <a:xfrm>
-            <a:off x="0" y="0"/>
-            <a:ext cx="32918400" cy="457200"/>
-          </a:xfrm>
-          <a:prstGeom prst="rect">
-            <a:avLst/>
-          </a:prstGeom>
-          <a:noFill/>
-          <a:ln>
-            <a:noFill/>
-          </a:ln>
-          <a:effectLst/>
-          <a:extLst>
-            <a:ext uri="{909E8E84-426E-40DD-AFC4-6F175D3DCCD1}">
-              <a14:hiddenFill xmlns:a14="http://schemas.microsoft.com/office/drawing/2010/main">
-                <a:solidFill>
-                  <a:schemeClr val="accent1"/>
-                </a:solidFill>
-              </a14:hiddenFill>
-            </a:ext>
-            <a:ext uri="{91240B29-F687-4F45-9708-019B960494DF}">
-              <a14:hiddenLine xmlns:a14="http://schemas.microsoft.com/office/drawing/2010/main" w="9525">
-                <a:solidFill>
-                  <a:schemeClr val="tx1"/>
-                </a:solidFill>
-                <a:miter lim="800000"/>
-                <a:headEnd/>
-                <a:tailEnd/>
-              </a14:hiddenLine>
-            </a:ext>
-            <a:ext uri="{AF507438-7753-43E0-B8FC-AC1667EBCBE1}">
-              <a14:hiddenEffects xmlns:a14="http://schemas.microsoft.com/office/drawing/2010/main">
-                <a:effectLst>
-                  <a:outerShdw dist="35921" dir="2700000" algn="ctr" rotWithShape="0">
-                    <a:schemeClr val="bg2"/>
-                  </a:outerShdw>
-                </a:effectLst>
-              </a14:hiddenEffects>
-            </a:ext>
-          </a:extLst>
-        </p:spPr>
-        <p:txBody>
-          <a:bodyPr vert="horz" wrap="none" lIns="91440" tIns="45720" rIns="91440" bIns="45720" numCol="1" anchor="ctr" anchorCtr="0" compatLnSpc="1">
-            <a:prstTxWarp prst="textNoShape">
-              <a:avLst/>
-            </a:prstTxWarp>
-            <a:spAutoFit/>
-          </a:bodyPr>
-          <a:lstStyle/>
-          <a:p>
-            <a:pPr marL="0" marR="0" lvl="0" indent="0" algn="l" defTabSz="914400" rtl="0" eaLnBrk="0" fontAlgn="base" latinLnBrk="0" hangingPunct="0">
-              <a:lnSpc>
-                <a:spcPct val="100000"/>
-              </a:lnSpc>
-              <a:spcBef>
-                <a:spcPct val="0"/>
-              </a:spcBef>
-              <a:spcAft>
-                <a:spcPct val="0"/>
-              </a:spcAft>
-              <a:buClrTx/>
-              <a:buSzTx/>
-              <a:buFontTx/>
-              <a:buNone/>
-              <a:tabLst/>
-            </a:pPr>
-            <a:r>
-              <a:rPr kumimoji="0" lang="en-US" altLang="en-US" sz="1000" b="0" i="0" u="none" strike="noStrike" cap="none" normalizeH="0" baseline="0">
-                <a:ln>
-                  <a:noFill/>
-                </a:ln>
-                <a:solidFill>
-                  <a:srgbClr val="000000"/>
-                </a:solidFill>
-                <a:effectLst/>
-                <a:latin typeface="Arial Unicode MS"/>
-              </a:rPr>
-              <a:t>4844.5337598</a:t>
-            </a:r>
-            <a:r>
-              <a:rPr kumimoji="0" lang="en-US" altLang="en-US" sz="2100" b="0" i="0" u="none" strike="noStrike" cap="none" normalizeH="0" baseline="0">
-                <a:ln>
-                  <a:noFill/>
-                </a:ln>
-                <a:solidFill>
-                  <a:schemeClr val="tx1"/>
-                </a:solidFill>
-                <a:effectLst/>
-              </a:rPr>
-              <a:t> </a:t>
-            </a:r>
-            <a:endParaRPr kumimoji="0" lang="en-US" altLang="en-US" sz="1800" b="0" i="0" u="none" strike="noStrike" cap="none" normalizeH="0" baseline="0">
-              <a:ln>
-                <a:noFill/>
-              </a:ln>
-              <a:solidFill>
-                <a:schemeClr val="tx1"/>
-              </a:solidFill>
-              <a:effectLst/>
-              <a:latin typeface="Arial" panose="020B0604020202020204" pitchFamily="34" charset="0"/>
-            </a:endParaRPr>
-          </a:p>
-        </p:txBody>
-      </p:sp>
       <p:pic>
         <p:nvPicPr>
           <p:cNvPr id="14362" name="Image 14361">
@@ -8355,7 +7893,7 @@
           <p:nvPr/>
         </p:nvPicPr>
         <p:blipFill rotWithShape="1">
-          <a:blip r:embed="rId10"/>
+          <a:blip r:embed="rId9"/>
           <a:srcRect t="21763" b="24727"/>
           <a:stretch/>
         </p:blipFill>
@@ -8474,7 +8012,7 @@
             <p:nvPr/>
           </p:nvPicPr>
           <p:blipFill>
-            <a:blip r:embed="rId11"/>
+            <a:blip r:embed="rId10"/>
             <a:stretch>
               <a:fillRect/>
             </a:stretch>
@@ -8574,7 +8112,7 @@
               <p:nvPr/>
             </p:nvPicPr>
             <p:blipFill rotWithShape="1">
-              <a:blip r:embed="rId12"/>
+              <a:blip r:embed="rId11"/>
               <a:srcRect r="21811"/>
               <a:stretch/>
             </p:blipFill>
@@ -8722,135 +8260,11 @@
           </a:fontRef>
         </p:style>
       </p:cxnSp>
-      <p:sp>
-        <p:nvSpPr>
-          <p:cNvPr id="14369" name="Rectangle 3">
-            <a:extLst>
-              <a:ext uri="{FF2B5EF4-FFF2-40B4-BE49-F238E27FC236}">
-                <a16:creationId xmlns:a16="http://schemas.microsoft.com/office/drawing/2014/main" id="{968C31BD-1B9F-8F19-D308-EF1DEBC1BA96}"/>
-              </a:ext>
-            </a:extLst>
-          </p:cNvPr>
-          <p:cNvSpPr>
-            <a:spLocks noChangeArrowheads="1"/>
-          </p:cNvSpPr>
-          <p:nvPr/>
-        </p:nvSpPr>
-        <p:spPr bwMode="auto">
-          <a:xfrm>
-            <a:off x="152400" y="152400"/>
-            <a:ext cx="32918400" cy="457200"/>
-          </a:xfrm>
-          <a:prstGeom prst="rect">
-            <a:avLst/>
-          </a:prstGeom>
-          <a:noFill/>
-          <a:ln>
-            <a:noFill/>
-          </a:ln>
-          <a:effectLst/>
-          <a:extLst>
-            <a:ext uri="{909E8E84-426E-40DD-AFC4-6F175D3DCCD1}">
-              <a14:hiddenFill xmlns:a14="http://schemas.microsoft.com/office/drawing/2010/main">
-                <a:solidFill>
-                  <a:schemeClr val="accent1"/>
-                </a:solidFill>
-              </a14:hiddenFill>
-            </a:ext>
-            <a:ext uri="{91240B29-F687-4F45-9708-019B960494DF}">
-              <a14:hiddenLine xmlns:a14="http://schemas.microsoft.com/office/drawing/2010/main" w="9525">
-                <a:solidFill>
-                  <a:schemeClr val="tx1"/>
-                </a:solidFill>
-                <a:miter lim="800000"/>
-                <a:headEnd/>
-                <a:tailEnd/>
-              </a14:hiddenLine>
-            </a:ext>
-            <a:ext uri="{AF507438-7753-43E0-B8FC-AC1667EBCBE1}">
-              <a14:hiddenEffects xmlns:a14="http://schemas.microsoft.com/office/drawing/2010/main">
-                <a:effectLst>
-                  <a:outerShdw dist="35921" dir="2700000" algn="ctr" rotWithShape="0">
-                    <a:schemeClr val="bg2"/>
-                  </a:outerShdw>
-                </a:effectLst>
-              </a14:hiddenEffects>
-            </a:ext>
-          </a:extLst>
-        </p:spPr>
-        <p:txBody>
-          <a:bodyPr vert="horz" wrap="none" lIns="91440" tIns="45720" rIns="91440" bIns="45720" numCol="1" anchor="ctr" anchorCtr="0" compatLnSpc="1">
-            <a:prstTxWarp prst="textNoShape">
-              <a:avLst/>
-            </a:prstTxWarp>
-            <a:spAutoFit/>
-          </a:bodyPr>
-          <a:lstStyle/>
-          <a:p>
-            <a:pPr marL="0" marR="0" lvl="0" indent="0" algn="l" defTabSz="914400" rtl="0" eaLnBrk="0" fontAlgn="base" latinLnBrk="0" hangingPunct="0">
-              <a:lnSpc>
-                <a:spcPct val="100000"/>
-              </a:lnSpc>
-              <a:spcBef>
-                <a:spcPct val="0"/>
-              </a:spcBef>
-              <a:spcAft>
-                <a:spcPct val="0"/>
-              </a:spcAft>
-              <a:buClrTx/>
-              <a:buSzTx/>
-              <a:buFontTx/>
-              <a:buNone/>
-              <a:tabLst/>
-            </a:pPr>
-            <a:r>
-              <a:rPr kumimoji="0" lang="en-US" altLang="en-US" sz="1000" b="0" i="0" u="none" strike="noStrike" cap="none" normalizeH="0" baseline="0">
-                <a:ln>
-                  <a:noFill/>
-                </a:ln>
-                <a:solidFill>
-                  <a:srgbClr val="000000"/>
-                </a:solidFill>
-                <a:effectLst/>
-                <a:latin typeface="Arial Unicode MS"/>
-              </a:rPr>
-              <a:t>10260.3</a:t>
-            </a:r>
-            <a:r>
-              <a:rPr kumimoji="0" lang="en-US" altLang="en-US" sz="2100" b="0" i="0" u="none" strike="noStrike" cap="none" normalizeH="0" baseline="0">
-                <a:ln>
-                  <a:noFill/>
-                </a:ln>
-                <a:solidFill>
-                  <a:schemeClr val="tx1"/>
-                </a:solidFill>
-                <a:effectLst/>
-              </a:rPr>
-              <a:t> </a:t>
-            </a:r>
-            <a:endParaRPr kumimoji="0" lang="en-US" altLang="en-US" sz="1800" b="0" i="0" u="none" strike="noStrike" cap="none" normalizeH="0" baseline="0">
-              <a:ln>
-                <a:noFill/>
-              </a:ln>
-              <a:solidFill>
-                <a:schemeClr val="tx1"/>
-              </a:solidFill>
-              <a:effectLst/>
-              <a:latin typeface="Arial" panose="020B0604020202020204" pitchFamily="34" charset="0"/>
-            </a:endParaRPr>
-          </a:p>
-        </p:txBody>
-      </p:sp>
     </p:spTree>
   </p:cSld>
   <p:clrMapOvr>
     <a:overrideClrMapping bg1="lt1" tx1="dk1" bg2="lt2" tx2="dk2" accent1="accent1" accent2="accent2" accent3="accent3" accent4="accent4" accent5="accent5" accent6="accent6" hlink="hlink" folHlink="folHlink"/>
   </p:clrMapOvr>
-  <p:extLst>
-    <p:ext uri="{6950BFC3-D8DA-4A85-94F7-54DA5524770B}">
-      <p188:commentRel xmlns:p188="http://schemas.microsoft.com/office/powerpoint/2018/8/main" r:id="rId4"/>
-    </p:ext>
-  </p:extLst>
 </p:sld>
 </file>
 
